--- a/AWS/AWS_Disaster_Recovery&BackUps.pptx
+++ b/AWS/AWS_Disaster_Recovery&BackUps.pptx
@@ -3611,7 +3611,7 @@
           <a:p>
             <a:fld id="{34C307C2-D910-4122-9388-FE9DC4B9E077}" type="datetimeFigureOut">
               <a:rPr lang="en-IN" smtClean="0"/>
-              <a:t>13-12-2025</a:t>
+              <a:t>08-02-2026</a:t>
             </a:fld>
             <a:endParaRPr lang="en-IN"/>
           </a:p>
@@ -4484,7 +4484,7 @@
           <a:p>
             <a:fld id="{80B77DFC-8711-4557-8CA1-4C836922276B}" type="datetimeFigureOut">
               <a:rPr lang="en-IN" smtClean="0"/>
-              <a:t>13-12-2025</a:t>
+              <a:t>08-02-2026</a:t>
             </a:fld>
             <a:endParaRPr lang="en-IN"/>
           </a:p>
@@ -4684,7 +4684,7 @@
           <a:p>
             <a:fld id="{80B77DFC-8711-4557-8CA1-4C836922276B}" type="datetimeFigureOut">
               <a:rPr lang="en-IN" smtClean="0"/>
-              <a:t>13-12-2025</a:t>
+              <a:t>08-02-2026</a:t>
             </a:fld>
             <a:endParaRPr lang="en-IN"/>
           </a:p>
@@ -4894,7 +4894,7 @@
           <a:p>
             <a:fld id="{80B77DFC-8711-4557-8CA1-4C836922276B}" type="datetimeFigureOut">
               <a:rPr lang="en-IN" smtClean="0"/>
-              <a:t>13-12-2025</a:t>
+              <a:t>08-02-2026</a:t>
             </a:fld>
             <a:endParaRPr lang="en-IN"/>
           </a:p>
@@ -5094,7 +5094,7 @@
           <a:p>
             <a:fld id="{80B77DFC-8711-4557-8CA1-4C836922276B}" type="datetimeFigureOut">
               <a:rPr lang="en-IN" smtClean="0"/>
-              <a:t>13-12-2025</a:t>
+              <a:t>08-02-2026</a:t>
             </a:fld>
             <a:endParaRPr lang="en-IN"/>
           </a:p>
@@ -5370,7 +5370,7 @@
           <a:p>
             <a:fld id="{80B77DFC-8711-4557-8CA1-4C836922276B}" type="datetimeFigureOut">
               <a:rPr lang="en-IN" smtClean="0"/>
-              <a:t>13-12-2025</a:t>
+              <a:t>08-02-2026</a:t>
             </a:fld>
             <a:endParaRPr lang="en-IN"/>
           </a:p>
@@ -5638,7 +5638,7 @@
           <a:p>
             <a:fld id="{80B77DFC-8711-4557-8CA1-4C836922276B}" type="datetimeFigureOut">
               <a:rPr lang="en-IN" smtClean="0"/>
-              <a:t>13-12-2025</a:t>
+              <a:t>08-02-2026</a:t>
             </a:fld>
             <a:endParaRPr lang="en-IN"/>
           </a:p>
@@ -6053,7 +6053,7 @@
           <a:p>
             <a:fld id="{80B77DFC-8711-4557-8CA1-4C836922276B}" type="datetimeFigureOut">
               <a:rPr lang="en-IN" smtClean="0"/>
-              <a:t>13-12-2025</a:t>
+              <a:t>08-02-2026</a:t>
             </a:fld>
             <a:endParaRPr lang="en-IN"/>
           </a:p>
@@ -6195,7 +6195,7 @@
           <a:p>
             <a:fld id="{80B77DFC-8711-4557-8CA1-4C836922276B}" type="datetimeFigureOut">
               <a:rPr lang="en-IN" smtClean="0"/>
-              <a:t>13-12-2025</a:t>
+              <a:t>08-02-2026</a:t>
             </a:fld>
             <a:endParaRPr lang="en-IN"/>
           </a:p>
@@ -6308,7 +6308,7 @@
           <a:p>
             <a:fld id="{80B77DFC-8711-4557-8CA1-4C836922276B}" type="datetimeFigureOut">
               <a:rPr lang="en-IN" smtClean="0"/>
-              <a:t>13-12-2025</a:t>
+              <a:t>08-02-2026</a:t>
             </a:fld>
             <a:endParaRPr lang="en-IN"/>
           </a:p>
@@ -6621,7 +6621,7 @@
           <a:p>
             <a:fld id="{80B77DFC-8711-4557-8CA1-4C836922276B}" type="datetimeFigureOut">
               <a:rPr lang="en-IN" smtClean="0"/>
-              <a:t>13-12-2025</a:t>
+              <a:t>08-02-2026</a:t>
             </a:fld>
             <a:endParaRPr lang="en-IN"/>
           </a:p>
@@ -6910,7 +6910,7 @@
           <a:p>
             <a:fld id="{80B77DFC-8711-4557-8CA1-4C836922276B}" type="datetimeFigureOut">
               <a:rPr lang="en-IN" smtClean="0"/>
-              <a:t>13-12-2025</a:t>
+              <a:t>08-02-2026</a:t>
             </a:fld>
             <a:endParaRPr lang="en-IN"/>
           </a:p>
@@ -7153,7 +7153,7 @@
           <a:p>
             <a:fld id="{80B77DFC-8711-4557-8CA1-4C836922276B}" type="datetimeFigureOut">
               <a:rPr lang="en-IN" smtClean="0"/>
-              <a:t>13-12-2025</a:t>
+              <a:t>08-02-2026</a:t>
             </a:fld>
             <a:endParaRPr lang="en-IN"/>
           </a:p>
